--- a/01Einführung.pptx
+++ b/01Einführung.pptx
@@ -3615,12 +3615,12 @@
               <a:t>HTML und </a:t>
             </a:r>
             <a:r>
-              <a:rPr lang="de-DE" dirty="0" err="1" smtClean="0"/>
-              <a:t>Logic</a:t>
-            </a:r>
-            <a:r>
-              <a:rPr lang="de-DE" dirty="0" smtClean="0"/>
-              <a:t> wird gemischt</a:t>
+              <a:rPr lang="de-DE" dirty="0" smtClean="0"/>
+              <a:t>Logik </a:t>
+            </a:r>
+            <a:r>
+              <a:rPr lang="de-DE" dirty="0" smtClean="0"/>
+              <a:t>wird gemischt</a:t>
             </a:r>
           </a:p>
           <a:p>
@@ -4192,6 +4192,14 @@
               <a:rPr lang="de-DE" dirty="0" err="1" smtClean="0"/>
               <a:t>Fiddler</a:t>
             </a:r>
+            <a:r>
+              <a:rPr lang="de-DE" dirty="0" smtClean="0"/>
+              <a:t> -</a:t>
+            </a:r>
+            <a:r>
+              <a:rPr lang="de-DE" dirty="0" err="1" smtClean="0"/>
+              <a:t>Telerik</a:t>
+            </a:r>
             <a:endParaRPr lang="de-DE" dirty="0"/>
           </a:p>
         </p:txBody>
@@ -5604,11 +5612,7 @@
             <a:pPr lvl="1"/>
             <a:r>
               <a:rPr lang="de-DE" dirty="0" smtClean="0"/>
-              <a:t>Blazor -&gt; C# </a:t>
-            </a:r>
-            <a:r>
-              <a:rPr lang="de-DE" smtClean="0"/>
-              <a:t>im Browser</a:t>
+              <a:t>Blazor -&gt; C# im Browser</a:t>
             </a:r>
             <a:endParaRPr lang="de-DE" dirty="0" smtClean="0"/>
           </a:p>
